--- a/ppt 16-9/1138.热心吧！弟兄.pptx
+++ b/ppt 16-9/1138.热心吧！弟兄.pptx
@@ -5,7 +5,7 @@
     <p:sldMasterId id="2147483648" r:id="rId1"/>
   </p:sldMasterIdLst>
   <p:sldIdLst>
-    <p:sldId id="623" r:id="rId2"/>
+    <p:sldId id="625" r:id="rId2"/>
   </p:sldIdLst>
   <p:sldSz cx="12192000" cy="6858000"/>
   <p:notesSz cx="6858000" cy="9144000"/>
@@ -129,7 +129,7 @@
           <p:cNvPr id="2" name="标题 1">
             <a:extLst>
               <a:ext uri="{FF2B5EF4-FFF2-40B4-BE49-F238E27FC236}">
-                <a16:creationId xmlns:a16="http://schemas.microsoft.com/office/drawing/2014/main" id="{65022B31-21A7-1D96-4C4D-771EB2B35166}"/>
+                <a16:creationId xmlns:a16="http://schemas.microsoft.com/office/drawing/2014/main" id="{5AF3058C-2D81-6583-9D23-7198B82C8E06}"/>
               </a:ext>
             </a:extLst>
           </p:cNvPr>
@@ -166,7 +166,7 @@
           <p:cNvPr id="3" name="副标题 2">
             <a:extLst>
               <a:ext uri="{FF2B5EF4-FFF2-40B4-BE49-F238E27FC236}">
-                <a16:creationId xmlns:a16="http://schemas.microsoft.com/office/drawing/2014/main" id="{71012E58-9A97-0969-8F53-D1FC67AD53E1}"/>
+                <a16:creationId xmlns:a16="http://schemas.microsoft.com/office/drawing/2014/main" id="{11631A13-D0C2-52BE-8A1A-6C109E4C0C0C}"/>
               </a:ext>
             </a:extLst>
           </p:cNvPr>
@@ -236,7 +236,7 @@
           <p:cNvPr id="4" name="日期占位符 3">
             <a:extLst>
               <a:ext uri="{FF2B5EF4-FFF2-40B4-BE49-F238E27FC236}">
-                <a16:creationId xmlns:a16="http://schemas.microsoft.com/office/drawing/2014/main" id="{D912A9B9-1239-2434-BF3A-44C0E76395BC}"/>
+                <a16:creationId xmlns:a16="http://schemas.microsoft.com/office/drawing/2014/main" id="{5B6A3164-470E-E288-6B2A-3BB8D208F5B4}"/>
               </a:ext>
             </a:extLst>
           </p:cNvPr>
@@ -252,7 +252,7 @@
           <a:bodyPr/>
           <a:lstStyle/>
           <a:p>
-            <a:fld id="{6CA405AE-B1E9-4DA3-8A9E-BE78FA659D01}" type="datetimeFigureOut">
+            <a:fld id="{E6E9ED03-5DB2-4A3C-94F1-97323501929C}" type="datetimeFigureOut">
               <a:rPr lang="zh-CN" altLang="en-US" smtClean="0"/>
               <a:t>2024/3/10</a:t>
             </a:fld>
@@ -265,7 +265,7 @@
           <p:cNvPr id="5" name="页脚占位符 4">
             <a:extLst>
               <a:ext uri="{FF2B5EF4-FFF2-40B4-BE49-F238E27FC236}">
-                <a16:creationId xmlns:a16="http://schemas.microsoft.com/office/drawing/2014/main" id="{092AFF8D-D25F-F4BC-B67D-37451F0F28D9}"/>
+                <a16:creationId xmlns:a16="http://schemas.microsoft.com/office/drawing/2014/main" id="{CABB249C-EF10-7B00-4918-D4542F5FB76D}"/>
               </a:ext>
             </a:extLst>
           </p:cNvPr>
@@ -290,7 +290,7 @@
           <p:cNvPr id="6" name="灯片编号占位符 5">
             <a:extLst>
               <a:ext uri="{FF2B5EF4-FFF2-40B4-BE49-F238E27FC236}">
-                <a16:creationId xmlns:a16="http://schemas.microsoft.com/office/drawing/2014/main" id="{4A4E44B7-D1DC-48BA-61D1-8EC6F729B3A1}"/>
+                <a16:creationId xmlns:a16="http://schemas.microsoft.com/office/drawing/2014/main" id="{A4BBE36E-ED92-8236-5283-118EEBDEEA65}"/>
               </a:ext>
             </a:extLst>
           </p:cNvPr>
@@ -306,7 +306,7 @@
           <a:bodyPr/>
           <a:lstStyle/>
           <a:p>
-            <a:fld id="{EDA5E09F-E774-468A-9F55-3F698ED7624C}" type="slidenum">
+            <a:fld id="{447C6860-FE52-42D9-9338-3F673D7A5F74}" type="slidenum">
               <a:rPr lang="zh-CN" altLang="en-US" smtClean="0"/>
               <a:t>‹#›</a:t>
             </a:fld>
@@ -317,7 +317,7 @@
     </p:spTree>
     <p:extLst>
       <p:ext uri="{BB962C8B-B14F-4D97-AF65-F5344CB8AC3E}">
-        <p14:creationId xmlns:p14="http://schemas.microsoft.com/office/powerpoint/2010/main" val="3383547992"/>
+        <p14:creationId xmlns:p14="http://schemas.microsoft.com/office/powerpoint/2010/main" val="98590863"/>
       </p:ext>
     </p:extLst>
   </p:cSld>
@@ -349,7 +349,7 @@
           <p:cNvPr id="2" name="标题 1">
             <a:extLst>
               <a:ext uri="{FF2B5EF4-FFF2-40B4-BE49-F238E27FC236}">
-                <a16:creationId xmlns:a16="http://schemas.microsoft.com/office/drawing/2014/main" id="{76076A3C-9C6E-7F61-A8DF-DFBFE4A8AD74}"/>
+                <a16:creationId xmlns:a16="http://schemas.microsoft.com/office/drawing/2014/main" id="{25AA4826-16BF-E90F-42E6-A18963E834BB}"/>
               </a:ext>
             </a:extLst>
           </p:cNvPr>
@@ -377,7 +377,7 @@
           <p:cNvPr id="3" name="竖排文字占位符 2">
             <a:extLst>
               <a:ext uri="{FF2B5EF4-FFF2-40B4-BE49-F238E27FC236}">
-                <a16:creationId xmlns:a16="http://schemas.microsoft.com/office/drawing/2014/main" id="{FAEF3E6D-1604-208C-DF34-9F8EEAFC2F05}"/>
+                <a16:creationId xmlns:a16="http://schemas.microsoft.com/office/drawing/2014/main" id="{A243E70C-BAB2-E563-EA52-8F0327DFFD34}"/>
               </a:ext>
             </a:extLst>
           </p:cNvPr>
@@ -434,7 +434,7 @@
           <p:cNvPr id="4" name="日期占位符 3">
             <a:extLst>
               <a:ext uri="{FF2B5EF4-FFF2-40B4-BE49-F238E27FC236}">
-                <a16:creationId xmlns:a16="http://schemas.microsoft.com/office/drawing/2014/main" id="{BB21799D-8121-306D-D606-7B9C592830A1}"/>
+                <a16:creationId xmlns:a16="http://schemas.microsoft.com/office/drawing/2014/main" id="{09D1718A-1BCE-5DFE-A7E9-E0E3A385362C}"/>
               </a:ext>
             </a:extLst>
           </p:cNvPr>
@@ -450,7 +450,7 @@
           <a:bodyPr/>
           <a:lstStyle/>
           <a:p>
-            <a:fld id="{6CA405AE-B1E9-4DA3-8A9E-BE78FA659D01}" type="datetimeFigureOut">
+            <a:fld id="{E6E9ED03-5DB2-4A3C-94F1-97323501929C}" type="datetimeFigureOut">
               <a:rPr lang="zh-CN" altLang="en-US" smtClean="0"/>
               <a:t>2024/3/10</a:t>
             </a:fld>
@@ -463,7 +463,7 @@
           <p:cNvPr id="5" name="页脚占位符 4">
             <a:extLst>
               <a:ext uri="{FF2B5EF4-FFF2-40B4-BE49-F238E27FC236}">
-                <a16:creationId xmlns:a16="http://schemas.microsoft.com/office/drawing/2014/main" id="{D4074A2B-D58F-4FEE-669B-A918DF571D2D}"/>
+                <a16:creationId xmlns:a16="http://schemas.microsoft.com/office/drawing/2014/main" id="{C4EEFCDE-AA5F-8972-A2C2-4E0D363227F7}"/>
               </a:ext>
             </a:extLst>
           </p:cNvPr>
@@ -488,7 +488,7 @@
           <p:cNvPr id="6" name="灯片编号占位符 5">
             <a:extLst>
               <a:ext uri="{FF2B5EF4-FFF2-40B4-BE49-F238E27FC236}">
-                <a16:creationId xmlns:a16="http://schemas.microsoft.com/office/drawing/2014/main" id="{DD0EA29B-843B-CF3D-9D76-358CA98036E8}"/>
+                <a16:creationId xmlns:a16="http://schemas.microsoft.com/office/drawing/2014/main" id="{366CCADB-688D-291B-B9F9-D3C8D60266CD}"/>
               </a:ext>
             </a:extLst>
           </p:cNvPr>
@@ -504,7 +504,7 @@
           <a:bodyPr/>
           <a:lstStyle/>
           <a:p>
-            <a:fld id="{EDA5E09F-E774-468A-9F55-3F698ED7624C}" type="slidenum">
+            <a:fld id="{447C6860-FE52-42D9-9338-3F673D7A5F74}" type="slidenum">
               <a:rPr lang="zh-CN" altLang="en-US" smtClean="0"/>
               <a:t>‹#›</a:t>
             </a:fld>
@@ -515,7 +515,7 @@
     </p:spTree>
     <p:extLst>
       <p:ext uri="{BB962C8B-B14F-4D97-AF65-F5344CB8AC3E}">
-        <p14:creationId xmlns:p14="http://schemas.microsoft.com/office/powerpoint/2010/main" val="19859142"/>
+        <p14:creationId xmlns:p14="http://schemas.microsoft.com/office/powerpoint/2010/main" val="3693418950"/>
       </p:ext>
     </p:extLst>
   </p:cSld>
@@ -547,7 +547,7 @@
           <p:cNvPr id="2" name="竖排标题 1">
             <a:extLst>
               <a:ext uri="{FF2B5EF4-FFF2-40B4-BE49-F238E27FC236}">
-                <a16:creationId xmlns:a16="http://schemas.microsoft.com/office/drawing/2014/main" id="{C8A38948-890C-3E78-6962-C568392CF35A}"/>
+                <a16:creationId xmlns:a16="http://schemas.microsoft.com/office/drawing/2014/main" id="{0466BDE6-4C86-4BF6-9E23-F0C46C054C95}"/>
               </a:ext>
             </a:extLst>
           </p:cNvPr>
@@ -580,7 +580,7 @@
           <p:cNvPr id="3" name="竖排文字占位符 2">
             <a:extLst>
               <a:ext uri="{FF2B5EF4-FFF2-40B4-BE49-F238E27FC236}">
-                <a16:creationId xmlns:a16="http://schemas.microsoft.com/office/drawing/2014/main" id="{560FF99C-F518-8E56-AA71-D2F96B60F3C5}"/>
+                <a16:creationId xmlns:a16="http://schemas.microsoft.com/office/drawing/2014/main" id="{9A89F956-AA78-D682-B9CD-4A0C33654AA3}"/>
               </a:ext>
             </a:extLst>
           </p:cNvPr>
@@ -642,7 +642,7 @@
           <p:cNvPr id="4" name="日期占位符 3">
             <a:extLst>
               <a:ext uri="{FF2B5EF4-FFF2-40B4-BE49-F238E27FC236}">
-                <a16:creationId xmlns:a16="http://schemas.microsoft.com/office/drawing/2014/main" id="{8CA8D879-6DAA-3E2A-B494-6174C6FCC0D0}"/>
+                <a16:creationId xmlns:a16="http://schemas.microsoft.com/office/drawing/2014/main" id="{EE924201-01D4-311F-F3D9-FFDA874533C0}"/>
               </a:ext>
             </a:extLst>
           </p:cNvPr>
@@ -658,7 +658,7 @@
           <a:bodyPr/>
           <a:lstStyle/>
           <a:p>
-            <a:fld id="{6CA405AE-B1E9-4DA3-8A9E-BE78FA659D01}" type="datetimeFigureOut">
+            <a:fld id="{E6E9ED03-5DB2-4A3C-94F1-97323501929C}" type="datetimeFigureOut">
               <a:rPr lang="zh-CN" altLang="en-US" smtClean="0"/>
               <a:t>2024/3/10</a:t>
             </a:fld>
@@ -671,7 +671,7 @@
           <p:cNvPr id="5" name="页脚占位符 4">
             <a:extLst>
               <a:ext uri="{FF2B5EF4-FFF2-40B4-BE49-F238E27FC236}">
-                <a16:creationId xmlns:a16="http://schemas.microsoft.com/office/drawing/2014/main" id="{EA4A623C-7185-FDE2-0AD3-B58F8CBA3156}"/>
+                <a16:creationId xmlns:a16="http://schemas.microsoft.com/office/drawing/2014/main" id="{91676F3B-3CB2-4CF2-9854-858361D01FDE}"/>
               </a:ext>
             </a:extLst>
           </p:cNvPr>
@@ -696,7 +696,7 @@
           <p:cNvPr id="6" name="灯片编号占位符 5">
             <a:extLst>
               <a:ext uri="{FF2B5EF4-FFF2-40B4-BE49-F238E27FC236}">
-                <a16:creationId xmlns:a16="http://schemas.microsoft.com/office/drawing/2014/main" id="{196CF3C1-FD08-880C-FF92-D60E0915544D}"/>
+                <a16:creationId xmlns:a16="http://schemas.microsoft.com/office/drawing/2014/main" id="{EC25CEBB-B19C-0834-7859-F85427A6C6A5}"/>
               </a:ext>
             </a:extLst>
           </p:cNvPr>
@@ -712,7 +712,7 @@
           <a:bodyPr/>
           <a:lstStyle/>
           <a:p>
-            <a:fld id="{EDA5E09F-E774-468A-9F55-3F698ED7624C}" type="slidenum">
+            <a:fld id="{447C6860-FE52-42D9-9338-3F673D7A5F74}" type="slidenum">
               <a:rPr lang="zh-CN" altLang="en-US" smtClean="0"/>
               <a:t>‹#›</a:t>
             </a:fld>
@@ -723,7 +723,7 @@
     </p:spTree>
     <p:extLst>
       <p:ext uri="{BB962C8B-B14F-4D97-AF65-F5344CB8AC3E}">
-        <p14:creationId xmlns:p14="http://schemas.microsoft.com/office/powerpoint/2010/main" val="1299271864"/>
+        <p14:creationId xmlns:p14="http://schemas.microsoft.com/office/powerpoint/2010/main" val="2187454276"/>
       </p:ext>
     </p:extLst>
   </p:cSld>
@@ -755,7 +755,7 @@
           <p:cNvPr id="2" name="标题 1">
             <a:extLst>
               <a:ext uri="{FF2B5EF4-FFF2-40B4-BE49-F238E27FC236}">
-                <a16:creationId xmlns:a16="http://schemas.microsoft.com/office/drawing/2014/main" id="{1F104735-0F87-11C7-D976-AB40E1974487}"/>
+                <a16:creationId xmlns:a16="http://schemas.microsoft.com/office/drawing/2014/main" id="{D2426B16-740F-7C12-DD83-B087814D8758}"/>
               </a:ext>
             </a:extLst>
           </p:cNvPr>
@@ -783,7 +783,7 @@
           <p:cNvPr id="3" name="内容占位符 2">
             <a:extLst>
               <a:ext uri="{FF2B5EF4-FFF2-40B4-BE49-F238E27FC236}">
-                <a16:creationId xmlns:a16="http://schemas.microsoft.com/office/drawing/2014/main" id="{5B9966EC-2F24-5A62-8E1E-C234C3ADD23D}"/>
+                <a16:creationId xmlns:a16="http://schemas.microsoft.com/office/drawing/2014/main" id="{CDCA9E7A-962B-4F38-0DFC-BB7AC315FB87}"/>
               </a:ext>
             </a:extLst>
           </p:cNvPr>
@@ -840,7 +840,7 @@
           <p:cNvPr id="4" name="日期占位符 3">
             <a:extLst>
               <a:ext uri="{FF2B5EF4-FFF2-40B4-BE49-F238E27FC236}">
-                <a16:creationId xmlns:a16="http://schemas.microsoft.com/office/drawing/2014/main" id="{C349958A-603E-74E7-5AF2-F130585B3B73}"/>
+                <a16:creationId xmlns:a16="http://schemas.microsoft.com/office/drawing/2014/main" id="{AD7E035A-C8C2-92F4-6390-7472C7D5AD6E}"/>
               </a:ext>
             </a:extLst>
           </p:cNvPr>
@@ -856,7 +856,7 @@
           <a:bodyPr/>
           <a:lstStyle/>
           <a:p>
-            <a:fld id="{6CA405AE-B1E9-4DA3-8A9E-BE78FA659D01}" type="datetimeFigureOut">
+            <a:fld id="{E6E9ED03-5DB2-4A3C-94F1-97323501929C}" type="datetimeFigureOut">
               <a:rPr lang="zh-CN" altLang="en-US" smtClean="0"/>
               <a:t>2024/3/10</a:t>
             </a:fld>
@@ -869,7 +869,7 @@
           <p:cNvPr id="5" name="页脚占位符 4">
             <a:extLst>
               <a:ext uri="{FF2B5EF4-FFF2-40B4-BE49-F238E27FC236}">
-                <a16:creationId xmlns:a16="http://schemas.microsoft.com/office/drawing/2014/main" id="{FD29FFB8-5B6B-2F88-E77D-BF82C686DAA4}"/>
+                <a16:creationId xmlns:a16="http://schemas.microsoft.com/office/drawing/2014/main" id="{F442CF35-7AFC-B05D-56C1-5BE75C45831B}"/>
               </a:ext>
             </a:extLst>
           </p:cNvPr>
@@ -894,7 +894,7 @@
           <p:cNvPr id="6" name="灯片编号占位符 5">
             <a:extLst>
               <a:ext uri="{FF2B5EF4-FFF2-40B4-BE49-F238E27FC236}">
-                <a16:creationId xmlns:a16="http://schemas.microsoft.com/office/drawing/2014/main" id="{4C442635-793B-057D-AC13-342F61EB032E}"/>
+                <a16:creationId xmlns:a16="http://schemas.microsoft.com/office/drawing/2014/main" id="{D51C757F-BB3C-10DE-D515-C904D19A53BC}"/>
               </a:ext>
             </a:extLst>
           </p:cNvPr>
@@ -910,7 +910,7 @@
           <a:bodyPr/>
           <a:lstStyle/>
           <a:p>
-            <a:fld id="{EDA5E09F-E774-468A-9F55-3F698ED7624C}" type="slidenum">
+            <a:fld id="{447C6860-FE52-42D9-9338-3F673D7A5F74}" type="slidenum">
               <a:rPr lang="zh-CN" altLang="en-US" smtClean="0"/>
               <a:t>‹#›</a:t>
             </a:fld>
@@ -921,7 +921,7 @@
     </p:spTree>
     <p:extLst>
       <p:ext uri="{BB962C8B-B14F-4D97-AF65-F5344CB8AC3E}">
-        <p14:creationId xmlns:p14="http://schemas.microsoft.com/office/powerpoint/2010/main" val="254923850"/>
+        <p14:creationId xmlns:p14="http://schemas.microsoft.com/office/powerpoint/2010/main" val="239140931"/>
       </p:ext>
     </p:extLst>
   </p:cSld>
@@ -953,7 +953,7 @@
           <p:cNvPr id="2" name="标题 1">
             <a:extLst>
               <a:ext uri="{FF2B5EF4-FFF2-40B4-BE49-F238E27FC236}">
-                <a16:creationId xmlns:a16="http://schemas.microsoft.com/office/drawing/2014/main" id="{81A6D016-CB43-F168-0684-699687B9BA65}"/>
+                <a16:creationId xmlns:a16="http://schemas.microsoft.com/office/drawing/2014/main" id="{DCC0028A-C716-0E5A-5CE6-A149D57681D4}"/>
               </a:ext>
             </a:extLst>
           </p:cNvPr>
@@ -990,7 +990,7 @@
           <p:cNvPr id="3" name="文本占位符 2">
             <a:extLst>
               <a:ext uri="{FF2B5EF4-FFF2-40B4-BE49-F238E27FC236}">
-                <a16:creationId xmlns:a16="http://schemas.microsoft.com/office/drawing/2014/main" id="{D35737BA-690F-6BD1-6AEA-0E97178A0FFF}"/>
+                <a16:creationId xmlns:a16="http://schemas.microsoft.com/office/drawing/2014/main" id="{EEBB0BBC-2E8D-6C7F-3CC5-5422A78CB106}"/>
               </a:ext>
             </a:extLst>
           </p:cNvPr>
@@ -1115,7 +1115,7 @@
           <p:cNvPr id="4" name="日期占位符 3">
             <a:extLst>
               <a:ext uri="{FF2B5EF4-FFF2-40B4-BE49-F238E27FC236}">
-                <a16:creationId xmlns:a16="http://schemas.microsoft.com/office/drawing/2014/main" id="{7E5FD1F9-482F-CB09-D7C5-36AAE78C8E3F}"/>
+                <a16:creationId xmlns:a16="http://schemas.microsoft.com/office/drawing/2014/main" id="{5365CACF-E151-6DD1-0B39-E93A45BCAC93}"/>
               </a:ext>
             </a:extLst>
           </p:cNvPr>
@@ -1131,7 +1131,7 @@
           <a:bodyPr/>
           <a:lstStyle/>
           <a:p>
-            <a:fld id="{6CA405AE-B1E9-4DA3-8A9E-BE78FA659D01}" type="datetimeFigureOut">
+            <a:fld id="{E6E9ED03-5DB2-4A3C-94F1-97323501929C}" type="datetimeFigureOut">
               <a:rPr lang="zh-CN" altLang="en-US" smtClean="0"/>
               <a:t>2024/3/10</a:t>
             </a:fld>
@@ -1144,7 +1144,7 @@
           <p:cNvPr id="5" name="页脚占位符 4">
             <a:extLst>
               <a:ext uri="{FF2B5EF4-FFF2-40B4-BE49-F238E27FC236}">
-                <a16:creationId xmlns:a16="http://schemas.microsoft.com/office/drawing/2014/main" id="{88AF1DD5-9487-FCCB-8394-AF199ED2E6E3}"/>
+                <a16:creationId xmlns:a16="http://schemas.microsoft.com/office/drawing/2014/main" id="{6177E2B5-27A1-480B-5EF6-7611FBA58A46}"/>
               </a:ext>
             </a:extLst>
           </p:cNvPr>
@@ -1169,7 +1169,7 @@
           <p:cNvPr id="6" name="灯片编号占位符 5">
             <a:extLst>
               <a:ext uri="{FF2B5EF4-FFF2-40B4-BE49-F238E27FC236}">
-                <a16:creationId xmlns:a16="http://schemas.microsoft.com/office/drawing/2014/main" id="{A9D0E3B3-4DBC-2650-85F6-BF41BC883C34}"/>
+                <a16:creationId xmlns:a16="http://schemas.microsoft.com/office/drawing/2014/main" id="{3B1869B2-21FB-CD29-AC9D-6CC38B3B54CD}"/>
               </a:ext>
             </a:extLst>
           </p:cNvPr>
@@ -1185,7 +1185,7 @@
           <a:bodyPr/>
           <a:lstStyle/>
           <a:p>
-            <a:fld id="{EDA5E09F-E774-468A-9F55-3F698ED7624C}" type="slidenum">
+            <a:fld id="{447C6860-FE52-42D9-9338-3F673D7A5F74}" type="slidenum">
               <a:rPr lang="zh-CN" altLang="en-US" smtClean="0"/>
               <a:t>‹#›</a:t>
             </a:fld>
@@ -1196,7 +1196,7 @@
     </p:spTree>
     <p:extLst>
       <p:ext uri="{BB962C8B-B14F-4D97-AF65-F5344CB8AC3E}">
-        <p14:creationId xmlns:p14="http://schemas.microsoft.com/office/powerpoint/2010/main" val="1585061531"/>
+        <p14:creationId xmlns:p14="http://schemas.microsoft.com/office/powerpoint/2010/main" val="1600904135"/>
       </p:ext>
     </p:extLst>
   </p:cSld>
@@ -1228,7 +1228,7 @@
           <p:cNvPr id="2" name="标题 1">
             <a:extLst>
               <a:ext uri="{FF2B5EF4-FFF2-40B4-BE49-F238E27FC236}">
-                <a16:creationId xmlns:a16="http://schemas.microsoft.com/office/drawing/2014/main" id="{09B93902-D755-3729-0027-4D798FB6A948}"/>
+                <a16:creationId xmlns:a16="http://schemas.microsoft.com/office/drawing/2014/main" id="{D045D398-ACB9-902A-CC54-ADC621DE89C0}"/>
               </a:ext>
             </a:extLst>
           </p:cNvPr>
@@ -1256,7 +1256,7 @@
           <p:cNvPr id="3" name="内容占位符 2">
             <a:extLst>
               <a:ext uri="{FF2B5EF4-FFF2-40B4-BE49-F238E27FC236}">
-                <a16:creationId xmlns:a16="http://schemas.microsoft.com/office/drawing/2014/main" id="{AFDBECCB-91A6-79F0-2331-B6F9DF2ABE92}"/>
+                <a16:creationId xmlns:a16="http://schemas.microsoft.com/office/drawing/2014/main" id="{5F6FD89E-870A-7051-7FE5-D0B446985884}"/>
               </a:ext>
             </a:extLst>
           </p:cNvPr>
@@ -1318,7 +1318,7 @@
           <p:cNvPr id="4" name="内容占位符 3">
             <a:extLst>
               <a:ext uri="{FF2B5EF4-FFF2-40B4-BE49-F238E27FC236}">
-                <a16:creationId xmlns:a16="http://schemas.microsoft.com/office/drawing/2014/main" id="{CCA4F6F0-F099-EA85-7CC9-A52B7FEC737F}"/>
+                <a16:creationId xmlns:a16="http://schemas.microsoft.com/office/drawing/2014/main" id="{B21BB1B3-C321-5836-1F14-8ECF0C9A6748}"/>
               </a:ext>
             </a:extLst>
           </p:cNvPr>
@@ -1380,7 +1380,7 @@
           <p:cNvPr id="5" name="日期占位符 4">
             <a:extLst>
               <a:ext uri="{FF2B5EF4-FFF2-40B4-BE49-F238E27FC236}">
-                <a16:creationId xmlns:a16="http://schemas.microsoft.com/office/drawing/2014/main" id="{417FF8FE-9BA7-9CD1-141F-437CD6A0A932}"/>
+                <a16:creationId xmlns:a16="http://schemas.microsoft.com/office/drawing/2014/main" id="{1F1DCDA7-E652-5369-185B-66B9E2244A9F}"/>
               </a:ext>
             </a:extLst>
           </p:cNvPr>
@@ -1396,7 +1396,7 @@
           <a:bodyPr/>
           <a:lstStyle/>
           <a:p>
-            <a:fld id="{6CA405AE-B1E9-4DA3-8A9E-BE78FA659D01}" type="datetimeFigureOut">
+            <a:fld id="{E6E9ED03-5DB2-4A3C-94F1-97323501929C}" type="datetimeFigureOut">
               <a:rPr lang="zh-CN" altLang="en-US" smtClean="0"/>
               <a:t>2024/3/10</a:t>
             </a:fld>
@@ -1409,7 +1409,7 @@
           <p:cNvPr id="6" name="页脚占位符 5">
             <a:extLst>
               <a:ext uri="{FF2B5EF4-FFF2-40B4-BE49-F238E27FC236}">
-                <a16:creationId xmlns:a16="http://schemas.microsoft.com/office/drawing/2014/main" id="{A1F390B9-F8EF-DD5A-9CDA-31E443BE855C}"/>
+                <a16:creationId xmlns:a16="http://schemas.microsoft.com/office/drawing/2014/main" id="{40FE470C-7E6B-8331-8364-47262499EF06}"/>
               </a:ext>
             </a:extLst>
           </p:cNvPr>
@@ -1434,7 +1434,7 @@
           <p:cNvPr id="7" name="灯片编号占位符 6">
             <a:extLst>
               <a:ext uri="{FF2B5EF4-FFF2-40B4-BE49-F238E27FC236}">
-                <a16:creationId xmlns:a16="http://schemas.microsoft.com/office/drawing/2014/main" id="{2FB87E65-942B-8713-82F7-76550E6CBB4B}"/>
+                <a16:creationId xmlns:a16="http://schemas.microsoft.com/office/drawing/2014/main" id="{FCE62501-42D9-18AA-CA05-3491AF9ADDD3}"/>
               </a:ext>
             </a:extLst>
           </p:cNvPr>
@@ -1450,7 +1450,7 @@
           <a:bodyPr/>
           <a:lstStyle/>
           <a:p>
-            <a:fld id="{EDA5E09F-E774-468A-9F55-3F698ED7624C}" type="slidenum">
+            <a:fld id="{447C6860-FE52-42D9-9338-3F673D7A5F74}" type="slidenum">
               <a:rPr lang="zh-CN" altLang="en-US" smtClean="0"/>
               <a:t>‹#›</a:t>
             </a:fld>
@@ -1461,7 +1461,7 @@
     </p:spTree>
     <p:extLst>
       <p:ext uri="{BB962C8B-B14F-4D97-AF65-F5344CB8AC3E}">
-        <p14:creationId xmlns:p14="http://schemas.microsoft.com/office/powerpoint/2010/main" val="50845264"/>
+        <p14:creationId xmlns:p14="http://schemas.microsoft.com/office/powerpoint/2010/main" val="107313537"/>
       </p:ext>
     </p:extLst>
   </p:cSld>
@@ -1493,7 +1493,7 @@
           <p:cNvPr id="2" name="标题 1">
             <a:extLst>
               <a:ext uri="{FF2B5EF4-FFF2-40B4-BE49-F238E27FC236}">
-                <a16:creationId xmlns:a16="http://schemas.microsoft.com/office/drawing/2014/main" id="{15D4A3BC-C862-098B-FB22-266DAA40AB6E}"/>
+                <a16:creationId xmlns:a16="http://schemas.microsoft.com/office/drawing/2014/main" id="{6ADE79C9-051D-0AC6-F882-71984D66C695}"/>
               </a:ext>
             </a:extLst>
           </p:cNvPr>
@@ -1526,7 +1526,7 @@
           <p:cNvPr id="3" name="文本占位符 2">
             <a:extLst>
               <a:ext uri="{FF2B5EF4-FFF2-40B4-BE49-F238E27FC236}">
-                <a16:creationId xmlns:a16="http://schemas.microsoft.com/office/drawing/2014/main" id="{69EC4F96-F0E4-141B-B8EF-4A92EAA09542}"/>
+                <a16:creationId xmlns:a16="http://schemas.microsoft.com/office/drawing/2014/main" id="{8734D3B4-C5AD-52EE-AD71-095E37644422}"/>
               </a:ext>
             </a:extLst>
           </p:cNvPr>
@@ -1597,7 +1597,7 @@
           <p:cNvPr id="4" name="内容占位符 3">
             <a:extLst>
               <a:ext uri="{FF2B5EF4-FFF2-40B4-BE49-F238E27FC236}">
-                <a16:creationId xmlns:a16="http://schemas.microsoft.com/office/drawing/2014/main" id="{3227A893-C73D-D5A9-814D-5FF807126F24}"/>
+                <a16:creationId xmlns:a16="http://schemas.microsoft.com/office/drawing/2014/main" id="{9BAFAD2D-A0D0-B711-E512-794000953524}"/>
               </a:ext>
             </a:extLst>
           </p:cNvPr>
@@ -1659,7 +1659,7 @@
           <p:cNvPr id="5" name="文本占位符 4">
             <a:extLst>
               <a:ext uri="{FF2B5EF4-FFF2-40B4-BE49-F238E27FC236}">
-                <a16:creationId xmlns:a16="http://schemas.microsoft.com/office/drawing/2014/main" id="{0CC63842-B1CE-72A0-A3F0-9F70EA05D3FA}"/>
+                <a16:creationId xmlns:a16="http://schemas.microsoft.com/office/drawing/2014/main" id="{ED043229-C885-BA80-8381-5CA4C9707DFA}"/>
               </a:ext>
             </a:extLst>
           </p:cNvPr>
@@ -1730,7 +1730,7 @@
           <p:cNvPr id="6" name="内容占位符 5">
             <a:extLst>
               <a:ext uri="{FF2B5EF4-FFF2-40B4-BE49-F238E27FC236}">
-                <a16:creationId xmlns:a16="http://schemas.microsoft.com/office/drawing/2014/main" id="{1D74EE88-B1A0-375E-BDDA-BE72809D32D8}"/>
+                <a16:creationId xmlns:a16="http://schemas.microsoft.com/office/drawing/2014/main" id="{8AC6CE33-B678-D447-3886-4472BC76AF93}"/>
               </a:ext>
             </a:extLst>
           </p:cNvPr>
@@ -1792,7 +1792,7 @@
           <p:cNvPr id="7" name="日期占位符 6">
             <a:extLst>
               <a:ext uri="{FF2B5EF4-FFF2-40B4-BE49-F238E27FC236}">
-                <a16:creationId xmlns:a16="http://schemas.microsoft.com/office/drawing/2014/main" id="{BAC19BA8-38E5-F2CA-5BA9-1370657D4514}"/>
+                <a16:creationId xmlns:a16="http://schemas.microsoft.com/office/drawing/2014/main" id="{027FF1E3-82D1-A724-B483-2CFC12E1600C}"/>
               </a:ext>
             </a:extLst>
           </p:cNvPr>
@@ -1808,7 +1808,7 @@
           <a:bodyPr/>
           <a:lstStyle/>
           <a:p>
-            <a:fld id="{6CA405AE-B1E9-4DA3-8A9E-BE78FA659D01}" type="datetimeFigureOut">
+            <a:fld id="{E6E9ED03-5DB2-4A3C-94F1-97323501929C}" type="datetimeFigureOut">
               <a:rPr lang="zh-CN" altLang="en-US" smtClean="0"/>
               <a:t>2024/3/10</a:t>
             </a:fld>
@@ -1821,7 +1821,7 @@
           <p:cNvPr id="8" name="页脚占位符 7">
             <a:extLst>
               <a:ext uri="{FF2B5EF4-FFF2-40B4-BE49-F238E27FC236}">
-                <a16:creationId xmlns:a16="http://schemas.microsoft.com/office/drawing/2014/main" id="{9CE77DBF-985B-3561-8281-DEA897E13F7C}"/>
+                <a16:creationId xmlns:a16="http://schemas.microsoft.com/office/drawing/2014/main" id="{6B7B6B56-3682-1DED-3D42-28B598CCE130}"/>
               </a:ext>
             </a:extLst>
           </p:cNvPr>
@@ -1846,7 +1846,7 @@
           <p:cNvPr id="9" name="灯片编号占位符 8">
             <a:extLst>
               <a:ext uri="{FF2B5EF4-FFF2-40B4-BE49-F238E27FC236}">
-                <a16:creationId xmlns:a16="http://schemas.microsoft.com/office/drawing/2014/main" id="{A725CD2D-CFCB-8438-5E61-8A78B280DA4B}"/>
+                <a16:creationId xmlns:a16="http://schemas.microsoft.com/office/drawing/2014/main" id="{78A8C7C1-9FE8-7C54-D50D-3564DEA731E9}"/>
               </a:ext>
             </a:extLst>
           </p:cNvPr>
@@ -1862,7 +1862,7 @@
           <a:bodyPr/>
           <a:lstStyle/>
           <a:p>
-            <a:fld id="{EDA5E09F-E774-468A-9F55-3F698ED7624C}" type="slidenum">
+            <a:fld id="{447C6860-FE52-42D9-9338-3F673D7A5F74}" type="slidenum">
               <a:rPr lang="zh-CN" altLang="en-US" smtClean="0"/>
               <a:t>‹#›</a:t>
             </a:fld>
@@ -1873,7 +1873,7 @@
     </p:spTree>
     <p:extLst>
       <p:ext uri="{BB962C8B-B14F-4D97-AF65-F5344CB8AC3E}">
-        <p14:creationId xmlns:p14="http://schemas.microsoft.com/office/powerpoint/2010/main" val="3810706895"/>
+        <p14:creationId xmlns:p14="http://schemas.microsoft.com/office/powerpoint/2010/main" val="1762256548"/>
       </p:ext>
     </p:extLst>
   </p:cSld>
@@ -1905,7 +1905,7 @@
           <p:cNvPr id="2" name="标题 1">
             <a:extLst>
               <a:ext uri="{FF2B5EF4-FFF2-40B4-BE49-F238E27FC236}">
-                <a16:creationId xmlns:a16="http://schemas.microsoft.com/office/drawing/2014/main" id="{29233A6E-FB1A-F613-7F4B-AA02E2B2C223}"/>
+                <a16:creationId xmlns:a16="http://schemas.microsoft.com/office/drawing/2014/main" id="{6C69A9AE-647A-7815-1EC8-CFE243ADFBE9}"/>
               </a:ext>
             </a:extLst>
           </p:cNvPr>
@@ -1933,7 +1933,7 @@
           <p:cNvPr id="3" name="日期占位符 2">
             <a:extLst>
               <a:ext uri="{FF2B5EF4-FFF2-40B4-BE49-F238E27FC236}">
-                <a16:creationId xmlns:a16="http://schemas.microsoft.com/office/drawing/2014/main" id="{7AEC895F-201E-BB3A-769C-EDC737744D50}"/>
+                <a16:creationId xmlns:a16="http://schemas.microsoft.com/office/drawing/2014/main" id="{0746E50A-7AB1-EAA1-16ED-4828E0AF928F}"/>
               </a:ext>
             </a:extLst>
           </p:cNvPr>
@@ -1949,7 +1949,7 @@
           <a:bodyPr/>
           <a:lstStyle/>
           <a:p>
-            <a:fld id="{6CA405AE-B1E9-4DA3-8A9E-BE78FA659D01}" type="datetimeFigureOut">
+            <a:fld id="{E6E9ED03-5DB2-4A3C-94F1-97323501929C}" type="datetimeFigureOut">
               <a:rPr lang="zh-CN" altLang="en-US" smtClean="0"/>
               <a:t>2024/3/10</a:t>
             </a:fld>
@@ -1962,7 +1962,7 @@
           <p:cNvPr id="4" name="页脚占位符 3">
             <a:extLst>
               <a:ext uri="{FF2B5EF4-FFF2-40B4-BE49-F238E27FC236}">
-                <a16:creationId xmlns:a16="http://schemas.microsoft.com/office/drawing/2014/main" id="{478E0B17-9F52-8428-3F82-44B9D5CF5305}"/>
+                <a16:creationId xmlns:a16="http://schemas.microsoft.com/office/drawing/2014/main" id="{31501FAF-A2DB-C4C8-A641-F088CA40DC40}"/>
               </a:ext>
             </a:extLst>
           </p:cNvPr>
@@ -1987,7 +1987,7 @@
           <p:cNvPr id="5" name="灯片编号占位符 4">
             <a:extLst>
               <a:ext uri="{FF2B5EF4-FFF2-40B4-BE49-F238E27FC236}">
-                <a16:creationId xmlns:a16="http://schemas.microsoft.com/office/drawing/2014/main" id="{BC1F698E-33A9-848B-336E-5F54E805E7F6}"/>
+                <a16:creationId xmlns:a16="http://schemas.microsoft.com/office/drawing/2014/main" id="{558D923A-AE35-B4B7-0FE8-800BA2F7EFC7}"/>
               </a:ext>
             </a:extLst>
           </p:cNvPr>
@@ -2003,7 +2003,7 @@
           <a:bodyPr/>
           <a:lstStyle/>
           <a:p>
-            <a:fld id="{EDA5E09F-E774-468A-9F55-3F698ED7624C}" type="slidenum">
+            <a:fld id="{447C6860-FE52-42D9-9338-3F673D7A5F74}" type="slidenum">
               <a:rPr lang="zh-CN" altLang="en-US" smtClean="0"/>
               <a:t>‹#›</a:t>
             </a:fld>
@@ -2014,7 +2014,7 @@
     </p:spTree>
     <p:extLst>
       <p:ext uri="{BB962C8B-B14F-4D97-AF65-F5344CB8AC3E}">
-        <p14:creationId xmlns:p14="http://schemas.microsoft.com/office/powerpoint/2010/main" val="3016627788"/>
+        <p14:creationId xmlns:p14="http://schemas.microsoft.com/office/powerpoint/2010/main" val="2705360624"/>
       </p:ext>
     </p:extLst>
   </p:cSld>
@@ -2046,7 +2046,7 @@
           <p:cNvPr id="2" name="日期占位符 1">
             <a:extLst>
               <a:ext uri="{FF2B5EF4-FFF2-40B4-BE49-F238E27FC236}">
-                <a16:creationId xmlns:a16="http://schemas.microsoft.com/office/drawing/2014/main" id="{4C1E93ED-6CC1-AFEC-A010-62D2D604BC67}"/>
+                <a16:creationId xmlns:a16="http://schemas.microsoft.com/office/drawing/2014/main" id="{138A372C-C8BB-9204-EF06-FFD1CFC60E27}"/>
               </a:ext>
             </a:extLst>
           </p:cNvPr>
@@ -2062,7 +2062,7 @@
           <a:bodyPr/>
           <a:lstStyle/>
           <a:p>
-            <a:fld id="{6CA405AE-B1E9-4DA3-8A9E-BE78FA659D01}" type="datetimeFigureOut">
+            <a:fld id="{E6E9ED03-5DB2-4A3C-94F1-97323501929C}" type="datetimeFigureOut">
               <a:rPr lang="zh-CN" altLang="en-US" smtClean="0"/>
               <a:t>2024/3/10</a:t>
             </a:fld>
@@ -2075,7 +2075,7 @@
           <p:cNvPr id="3" name="页脚占位符 2">
             <a:extLst>
               <a:ext uri="{FF2B5EF4-FFF2-40B4-BE49-F238E27FC236}">
-                <a16:creationId xmlns:a16="http://schemas.microsoft.com/office/drawing/2014/main" id="{FD07895B-331C-7239-E0D3-B05572C1780B}"/>
+                <a16:creationId xmlns:a16="http://schemas.microsoft.com/office/drawing/2014/main" id="{6C2A9B37-CB7C-AD9F-14FF-482D4209C8AD}"/>
               </a:ext>
             </a:extLst>
           </p:cNvPr>
@@ -2100,7 +2100,7 @@
           <p:cNvPr id="4" name="灯片编号占位符 3">
             <a:extLst>
               <a:ext uri="{FF2B5EF4-FFF2-40B4-BE49-F238E27FC236}">
-                <a16:creationId xmlns:a16="http://schemas.microsoft.com/office/drawing/2014/main" id="{443889B6-58EF-1DD4-8C1B-FA591A6E1010}"/>
+                <a16:creationId xmlns:a16="http://schemas.microsoft.com/office/drawing/2014/main" id="{99F44997-EFBD-1E5A-736F-0DC2B170BE3B}"/>
               </a:ext>
             </a:extLst>
           </p:cNvPr>
@@ -2116,7 +2116,7 @@
           <a:bodyPr/>
           <a:lstStyle/>
           <a:p>
-            <a:fld id="{EDA5E09F-E774-468A-9F55-3F698ED7624C}" type="slidenum">
+            <a:fld id="{447C6860-FE52-42D9-9338-3F673D7A5F74}" type="slidenum">
               <a:rPr lang="zh-CN" altLang="en-US" smtClean="0"/>
               <a:t>‹#›</a:t>
             </a:fld>
@@ -2127,7 +2127,7 @@
     </p:spTree>
     <p:extLst>
       <p:ext uri="{BB962C8B-B14F-4D97-AF65-F5344CB8AC3E}">
-        <p14:creationId xmlns:p14="http://schemas.microsoft.com/office/powerpoint/2010/main" val="338668730"/>
+        <p14:creationId xmlns:p14="http://schemas.microsoft.com/office/powerpoint/2010/main" val="26102477"/>
       </p:ext>
     </p:extLst>
   </p:cSld>
@@ -2159,7 +2159,7 @@
           <p:cNvPr id="2" name="标题 1">
             <a:extLst>
               <a:ext uri="{FF2B5EF4-FFF2-40B4-BE49-F238E27FC236}">
-                <a16:creationId xmlns:a16="http://schemas.microsoft.com/office/drawing/2014/main" id="{D9EB83AE-E687-48EC-5AC7-26089C27A9E1}"/>
+                <a16:creationId xmlns:a16="http://schemas.microsoft.com/office/drawing/2014/main" id="{F58603EC-DA8D-BED7-A59F-F1B4DA6CAAF8}"/>
               </a:ext>
             </a:extLst>
           </p:cNvPr>
@@ -2196,7 +2196,7 @@
           <p:cNvPr id="3" name="内容占位符 2">
             <a:extLst>
               <a:ext uri="{FF2B5EF4-FFF2-40B4-BE49-F238E27FC236}">
-                <a16:creationId xmlns:a16="http://schemas.microsoft.com/office/drawing/2014/main" id="{83FDA545-DB57-3364-27C5-60760033B424}"/>
+                <a16:creationId xmlns:a16="http://schemas.microsoft.com/office/drawing/2014/main" id="{5B6210B8-4CE9-8A7D-A87D-FEC4BA515695}"/>
               </a:ext>
             </a:extLst>
           </p:cNvPr>
@@ -2286,7 +2286,7 @@
           <p:cNvPr id="4" name="文本占位符 3">
             <a:extLst>
               <a:ext uri="{FF2B5EF4-FFF2-40B4-BE49-F238E27FC236}">
-                <a16:creationId xmlns:a16="http://schemas.microsoft.com/office/drawing/2014/main" id="{3FBA8628-2866-B463-EF7A-EDC07996CA85}"/>
+                <a16:creationId xmlns:a16="http://schemas.microsoft.com/office/drawing/2014/main" id="{9D3D90A4-1624-2ED4-2829-78402E01881E}"/>
               </a:ext>
             </a:extLst>
           </p:cNvPr>
@@ -2357,7 +2357,7 @@
           <p:cNvPr id="5" name="日期占位符 4">
             <a:extLst>
               <a:ext uri="{FF2B5EF4-FFF2-40B4-BE49-F238E27FC236}">
-                <a16:creationId xmlns:a16="http://schemas.microsoft.com/office/drawing/2014/main" id="{19A813E9-A937-5E5A-7D3B-3535428012EA}"/>
+                <a16:creationId xmlns:a16="http://schemas.microsoft.com/office/drawing/2014/main" id="{8DF14672-E02E-F27B-7CD1-77FEFAB2D7F5}"/>
               </a:ext>
             </a:extLst>
           </p:cNvPr>
@@ -2373,7 +2373,7 @@
           <a:bodyPr/>
           <a:lstStyle/>
           <a:p>
-            <a:fld id="{6CA405AE-B1E9-4DA3-8A9E-BE78FA659D01}" type="datetimeFigureOut">
+            <a:fld id="{E6E9ED03-5DB2-4A3C-94F1-97323501929C}" type="datetimeFigureOut">
               <a:rPr lang="zh-CN" altLang="en-US" smtClean="0"/>
               <a:t>2024/3/10</a:t>
             </a:fld>
@@ -2386,7 +2386,7 @@
           <p:cNvPr id="6" name="页脚占位符 5">
             <a:extLst>
               <a:ext uri="{FF2B5EF4-FFF2-40B4-BE49-F238E27FC236}">
-                <a16:creationId xmlns:a16="http://schemas.microsoft.com/office/drawing/2014/main" id="{71A278DA-7E42-AE9D-5259-648A1EE8F32E}"/>
+                <a16:creationId xmlns:a16="http://schemas.microsoft.com/office/drawing/2014/main" id="{27BB2AE3-FD7A-F54B-14C5-CC7C743C1C97}"/>
               </a:ext>
             </a:extLst>
           </p:cNvPr>
@@ -2411,7 +2411,7 @@
           <p:cNvPr id="7" name="灯片编号占位符 6">
             <a:extLst>
               <a:ext uri="{FF2B5EF4-FFF2-40B4-BE49-F238E27FC236}">
-                <a16:creationId xmlns:a16="http://schemas.microsoft.com/office/drawing/2014/main" id="{C73FC578-7D8C-5088-3B69-5390174DA27F}"/>
+                <a16:creationId xmlns:a16="http://schemas.microsoft.com/office/drawing/2014/main" id="{255E4A0F-365A-7F1A-F9BF-58646C00986D}"/>
               </a:ext>
             </a:extLst>
           </p:cNvPr>
@@ -2427,7 +2427,7 @@
           <a:bodyPr/>
           <a:lstStyle/>
           <a:p>
-            <a:fld id="{EDA5E09F-E774-468A-9F55-3F698ED7624C}" type="slidenum">
+            <a:fld id="{447C6860-FE52-42D9-9338-3F673D7A5F74}" type="slidenum">
               <a:rPr lang="zh-CN" altLang="en-US" smtClean="0"/>
               <a:t>‹#›</a:t>
             </a:fld>
@@ -2438,7 +2438,7 @@
     </p:spTree>
     <p:extLst>
       <p:ext uri="{BB962C8B-B14F-4D97-AF65-F5344CB8AC3E}">
-        <p14:creationId xmlns:p14="http://schemas.microsoft.com/office/powerpoint/2010/main" val="42372962"/>
+        <p14:creationId xmlns:p14="http://schemas.microsoft.com/office/powerpoint/2010/main" val="2962242063"/>
       </p:ext>
     </p:extLst>
   </p:cSld>
@@ -2470,7 +2470,7 @@
           <p:cNvPr id="2" name="标题 1">
             <a:extLst>
               <a:ext uri="{FF2B5EF4-FFF2-40B4-BE49-F238E27FC236}">
-                <a16:creationId xmlns:a16="http://schemas.microsoft.com/office/drawing/2014/main" id="{85548F59-2FC4-B683-5681-1A327D8A1088}"/>
+                <a16:creationId xmlns:a16="http://schemas.microsoft.com/office/drawing/2014/main" id="{8BDF98B3-A5D0-4BDB-FBD1-A61452D85137}"/>
               </a:ext>
             </a:extLst>
           </p:cNvPr>
@@ -2507,7 +2507,7 @@
           <p:cNvPr id="3" name="图片占位符 2">
             <a:extLst>
               <a:ext uri="{FF2B5EF4-FFF2-40B4-BE49-F238E27FC236}">
-                <a16:creationId xmlns:a16="http://schemas.microsoft.com/office/drawing/2014/main" id="{A04400F7-0A37-4DFC-FA69-49380A9FD6B7}"/>
+                <a16:creationId xmlns:a16="http://schemas.microsoft.com/office/drawing/2014/main" id="{2055B4CC-CFD0-682D-226A-E0CF0B2D848A}"/>
               </a:ext>
             </a:extLst>
           </p:cNvPr>
@@ -2574,7 +2574,7 @@
           <p:cNvPr id="4" name="文本占位符 3">
             <a:extLst>
               <a:ext uri="{FF2B5EF4-FFF2-40B4-BE49-F238E27FC236}">
-                <a16:creationId xmlns:a16="http://schemas.microsoft.com/office/drawing/2014/main" id="{8002BDD2-F52E-8DAE-C8BD-4E0935C765C8}"/>
+                <a16:creationId xmlns:a16="http://schemas.microsoft.com/office/drawing/2014/main" id="{A2055404-D9BD-D026-834F-ED51F24FBD01}"/>
               </a:ext>
             </a:extLst>
           </p:cNvPr>
@@ -2645,7 +2645,7 @@
           <p:cNvPr id="5" name="日期占位符 4">
             <a:extLst>
               <a:ext uri="{FF2B5EF4-FFF2-40B4-BE49-F238E27FC236}">
-                <a16:creationId xmlns:a16="http://schemas.microsoft.com/office/drawing/2014/main" id="{27F81324-A16F-25B5-ABEE-F290A143FA2E}"/>
+                <a16:creationId xmlns:a16="http://schemas.microsoft.com/office/drawing/2014/main" id="{281B9922-2106-0518-65C5-05C6FEC4B996}"/>
               </a:ext>
             </a:extLst>
           </p:cNvPr>
@@ -2661,7 +2661,7 @@
           <a:bodyPr/>
           <a:lstStyle/>
           <a:p>
-            <a:fld id="{6CA405AE-B1E9-4DA3-8A9E-BE78FA659D01}" type="datetimeFigureOut">
+            <a:fld id="{E6E9ED03-5DB2-4A3C-94F1-97323501929C}" type="datetimeFigureOut">
               <a:rPr lang="zh-CN" altLang="en-US" smtClean="0"/>
               <a:t>2024/3/10</a:t>
             </a:fld>
@@ -2674,7 +2674,7 @@
           <p:cNvPr id="6" name="页脚占位符 5">
             <a:extLst>
               <a:ext uri="{FF2B5EF4-FFF2-40B4-BE49-F238E27FC236}">
-                <a16:creationId xmlns:a16="http://schemas.microsoft.com/office/drawing/2014/main" id="{3495BC72-DD77-FEC3-1F2B-3BDD53183AE9}"/>
+                <a16:creationId xmlns:a16="http://schemas.microsoft.com/office/drawing/2014/main" id="{2C0463B1-1DB2-24FC-BB86-C0B5413497B6}"/>
               </a:ext>
             </a:extLst>
           </p:cNvPr>
@@ -2699,7 +2699,7 @@
           <p:cNvPr id="7" name="灯片编号占位符 6">
             <a:extLst>
               <a:ext uri="{FF2B5EF4-FFF2-40B4-BE49-F238E27FC236}">
-                <a16:creationId xmlns:a16="http://schemas.microsoft.com/office/drawing/2014/main" id="{9062D158-20F2-BE33-119C-1918CB6CAEB1}"/>
+                <a16:creationId xmlns:a16="http://schemas.microsoft.com/office/drawing/2014/main" id="{7C342DDB-104F-CE09-5A00-639FB1B4C9B0}"/>
               </a:ext>
             </a:extLst>
           </p:cNvPr>
@@ -2715,7 +2715,7 @@
           <a:bodyPr/>
           <a:lstStyle/>
           <a:p>
-            <a:fld id="{EDA5E09F-E774-468A-9F55-3F698ED7624C}" type="slidenum">
+            <a:fld id="{447C6860-FE52-42D9-9338-3F673D7A5F74}" type="slidenum">
               <a:rPr lang="zh-CN" altLang="en-US" smtClean="0"/>
               <a:t>‹#›</a:t>
             </a:fld>
@@ -2726,7 +2726,7 @@
     </p:spTree>
     <p:extLst>
       <p:ext uri="{BB962C8B-B14F-4D97-AF65-F5344CB8AC3E}">
-        <p14:creationId xmlns:p14="http://schemas.microsoft.com/office/powerpoint/2010/main" val="1809911857"/>
+        <p14:creationId xmlns:p14="http://schemas.microsoft.com/office/powerpoint/2010/main" val="1042341985"/>
       </p:ext>
     </p:extLst>
   </p:cSld>
@@ -2763,7 +2763,7 @@
           <p:cNvPr id="2" name="标题占位符 1">
             <a:extLst>
               <a:ext uri="{FF2B5EF4-FFF2-40B4-BE49-F238E27FC236}">
-                <a16:creationId xmlns:a16="http://schemas.microsoft.com/office/drawing/2014/main" id="{E881906E-8B9B-EA01-61DF-245E444169E2}"/>
+                <a16:creationId xmlns:a16="http://schemas.microsoft.com/office/drawing/2014/main" id="{7E080732-43C0-F1C1-9717-BB219AF30194}"/>
               </a:ext>
             </a:extLst>
           </p:cNvPr>
@@ -2801,7 +2801,7 @@
           <p:cNvPr id="3" name="文本占位符 2">
             <a:extLst>
               <a:ext uri="{FF2B5EF4-FFF2-40B4-BE49-F238E27FC236}">
-                <a16:creationId xmlns:a16="http://schemas.microsoft.com/office/drawing/2014/main" id="{DF55B55C-1F26-CB2E-8388-7BFAA8CF52FB}"/>
+                <a16:creationId xmlns:a16="http://schemas.microsoft.com/office/drawing/2014/main" id="{116357DA-B2A9-18D2-C11C-178B6FCDD4FF}"/>
               </a:ext>
             </a:extLst>
           </p:cNvPr>
@@ -2868,7 +2868,7 @@
           <p:cNvPr id="4" name="日期占位符 3">
             <a:extLst>
               <a:ext uri="{FF2B5EF4-FFF2-40B4-BE49-F238E27FC236}">
-                <a16:creationId xmlns:a16="http://schemas.microsoft.com/office/drawing/2014/main" id="{9AAD185B-4E53-1A9F-A513-69036C872699}"/>
+                <a16:creationId xmlns:a16="http://schemas.microsoft.com/office/drawing/2014/main" id="{6AEB0D67-1755-59A0-D127-91F8CCBEE059}"/>
               </a:ext>
             </a:extLst>
           </p:cNvPr>
@@ -2902,7 +2902,7 @@
             </a:lvl1pPr>
           </a:lstStyle>
           <a:p>
-            <a:fld id="{6CA405AE-B1E9-4DA3-8A9E-BE78FA659D01}" type="datetimeFigureOut">
+            <a:fld id="{E6E9ED03-5DB2-4A3C-94F1-97323501929C}" type="datetimeFigureOut">
               <a:rPr lang="zh-CN" altLang="en-US" smtClean="0"/>
               <a:t>2024/3/10</a:t>
             </a:fld>
@@ -2915,7 +2915,7 @@
           <p:cNvPr id="5" name="页脚占位符 4">
             <a:extLst>
               <a:ext uri="{FF2B5EF4-FFF2-40B4-BE49-F238E27FC236}">
-                <a16:creationId xmlns:a16="http://schemas.microsoft.com/office/drawing/2014/main" id="{31C1C6DB-3828-72A9-1840-615B0DC79E9E}"/>
+                <a16:creationId xmlns:a16="http://schemas.microsoft.com/office/drawing/2014/main" id="{77C2C808-C539-E717-58E0-A55F8930585A}"/>
               </a:ext>
             </a:extLst>
           </p:cNvPr>
@@ -2958,7 +2958,7 @@
           <p:cNvPr id="6" name="灯片编号占位符 5">
             <a:extLst>
               <a:ext uri="{FF2B5EF4-FFF2-40B4-BE49-F238E27FC236}">
-                <a16:creationId xmlns:a16="http://schemas.microsoft.com/office/drawing/2014/main" id="{B0A33CD0-ACF6-2639-5ED8-D84310BDC9A3}"/>
+                <a16:creationId xmlns:a16="http://schemas.microsoft.com/office/drawing/2014/main" id="{6961A577-4DD2-F6A2-FDF8-A6C73EC48F8D}"/>
               </a:ext>
             </a:extLst>
           </p:cNvPr>
@@ -2992,7 +2992,7 @@
             </a:lvl1pPr>
           </a:lstStyle>
           <a:p>
-            <a:fld id="{EDA5E09F-E774-468A-9F55-3F698ED7624C}" type="slidenum">
+            <a:fld id="{447C6860-FE52-42D9-9338-3F673D7A5F74}" type="slidenum">
               <a:rPr lang="zh-CN" altLang="en-US" smtClean="0"/>
               <a:t>‹#›</a:t>
             </a:fld>
@@ -3003,7 +3003,7 @@
     </p:spTree>
     <p:extLst>
       <p:ext uri="{BB962C8B-B14F-4D97-AF65-F5344CB8AC3E}">
-        <p14:creationId xmlns:p14="http://schemas.microsoft.com/office/powerpoint/2010/main" val="265323978"/>
+        <p14:creationId xmlns:p14="http://schemas.microsoft.com/office/powerpoint/2010/main" val="2255771790"/>
       </p:ext>
     </p:extLst>
   </p:cSld>
@@ -3323,7 +3323,7 @@
       </p:grpSpPr>
       <p:pic>
         <p:nvPicPr>
-          <p:cNvPr id="1165314" name="Picture 2" descr="1137"/>
+          <p:cNvPr id="1166338" name="Picture 2" descr="1138"/>
           <p:cNvPicPr>
             <a:picLocks noChangeAspect="1" noChangeArrowheads="1"/>
           </p:cNvPicPr>
@@ -3344,8 +3344,8 @@
         </p:blipFill>
         <p:spPr bwMode="auto">
           <a:xfrm>
-            <a:off x="1524000" y="1"/>
-            <a:ext cx="9124950" cy="6843713"/>
+            <a:off x="1524000" y="0"/>
+            <a:ext cx="9018588" cy="6764338"/>
           </a:xfrm>
           <a:prstGeom prst="rect">
             <a:avLst/>
@@ -3377,7 +3377,7 @@
       </p:pic>
       <p:pic>
         <p:nvPicPr>
-          <p:cNvPr id="1166339" name="Picture 3" descr="1137-2"/>
+          <p:cNvPr id="1167363" name="Picture 3" descr="1138-2"/>
           <p:cNvPicPr>
             <a:picLocks noChangeAspect="1" noChangeArrowheads="1"/>
           </p:cNvPicPr>
@@ -3398,8 +3398,8 @@
         </p:blipFill>
         <p:spPr bwMode="auto">
           <a:xfrm>
-            <a:off x="1560513" y="0"/>
-            <a:ext cx="9124950" cy="6845300"/>
+            <a:off x="1524000" y="0"/>
+            <a:ext cx="9144000" cy="6858000"/>
           </a:xfrm>
           <a:prstGeom prst="rect">
             <a:avLst/>
@@ -3478,7 +3478,7 @@
                                           </p:stCondLst>
                                         </p:cTn>
                                         <p:tgtEl>
-                                          <p:spTgt spid="1166339"/>
+                                          <p:spTgt spid="1167363"/>
                                         </p:tgtEl>
                                         <p:attrNameLst>
                                           <p:attrName>style.visibility</p:attrName>
@@ -3492,7 +3492,7 @@
                                       <p:cBhvr>
                                         <p:cTn id="7" dur="500"/>
                                         <p:tgtEl>
-                                          <p:spTgt spid="1166339"/>
+                                          <p:spTgt spid="1167363"/>
                                         </p:tgtEl>
                                       </p:cBhvr>
                                     </p:animEffect>
